--- a/static/docs/chapter_78.pptx
+++ b/static/docs/chapter_78.pptx
@@ -149,846 +149,6 @@
 </p:presentation>
 </file>
 
-<file path=ppt/revisionInfo.xml><?xml version="1.0" encoding="utf-8"?>
-<p1510:revInfo xmlns:a="http://schemas.openxmlformats.org/drawingml/2006/main" xmlns:r="http://schemas.openxmlformats.org/officeDocument/2006/relationships" xmlns:p1510="http://schemas.microsoft.com/office/powerpoint/2015/10/main">
-  <p1510:revLst>
-    <p1510:client id="{AE3B1190-21FE-4135-AD65-81008166E137}" v="174" dt="2024-10-28T23:40:32.890"/>
-  </p1510:revLst>
-</p1510:revInfo>
-</file>
-
-<file path=ppt/changesInfos/changesInfo1.xml><?xml version="1.0" encoding="utf-8"?>
-<pc:chgInfo xmlns:a="http://schemas.openxmlformats.org/drawingml/2006/main" xmlns:r="http://schemas.openxmlformats.org/officeDocument/2006/relationships" xmlns:ac="http://schemas.microsoft.com/office/drawing/2013/main/command" xmlns:pc="http://schemas.microsoft.com/office/powerpoint/2013/main/command">
-  <pc:docChgLst>
-    <pc:chgData name="Lwin Moe" userId="aa63d423-27f4-4437-9471-19c5c3fbd463" providerId="ADAL" clId="{AE3B1190-21FE-4135-AD65-81008166E137}"/>
-    <pc:docChg chg="undo custSel addSld delSld modSld">
-      <pc:chgData name="Lwin Moe" userId="aa63d423-27f4-4437-9471-19c5c3fbd463" providerId="ADAL" clId="{AE3B1190-21FE-4135-AD65-81008166E137}" dt="2024-10-28T23:41:12.766" v="475"/>
-      <pc:docMkLst>
-        <pc:docMk/>
-      </pc:docMkLst>
-      <pc:sldChg chg="del">
-        <pc:chgData name="Lwin Moe" userId="aa63d423-27f4-4437-9471-19c5c3fbd463" providerId="ADAL" clId="{AE3B1190-21FE-4135-AD65-81008166E137}" dt="2024-10-28T18:13:45.142" v="0" actId="47"/>
-        <pc:sldMkLst>
-          <pc:docMk/>
-          <pc:sldMk cId="1867937184" sldId="273"/>
-        </pc:sldMkLst>
-      </pc:sldChg>
-      <pc:sldChg chg="del">
-        <pc:chgData name="Lwin Moe" userId="aa63d423-27f4-4437-9471-19c5c3fbd463" providerId="ADAL" clId="{AE3B1190-21FE-4135-AD65-81008166E137}" dt="2024-10-28T18:13:45.142" v="0" actId="47"/>
-        <pc:sldMkLst>
-          <pc:docMk/>
-          <pc:sldMk cId="759013614" sldId="274"/>
-        </pc:sldMkLst>
-      </pc:sldChg>
-      <pc:sldChg chg="del">
-        <pc:chgData name="Lwin Moe" userId="aa63d423-27f4-4437-9471-19c5c3fbd463" providerId="ADAL" clId="{AE3B1190-21FE-4135-AD65-81008166E137}" dt="2024-10-28T18:13:45.142" v="0" actId="47"/>
-        <pc:sldMkLst>
-          <pc:docMk/>
-          <pc:sldMk cId="3559341233" sldId="276"/>
-        </pc:sldMkLst>
-      </pc:sldChg>
-      <pc:sldChg chg="del">
-        <pc:chgData name="Lwin Moe" userId="aa63d423-27f4-4437-9471-19c5c3fbd463" providerId="ADAL" clId="{AE3B1190-21FE-4135-AD65-81008166E137}" dt="2024-10-28T18:13:45.142" v="0" actId="47"/>
-        <pc:sldMkLst>
-          <pc:docMk/>
-          <pc:sldMk cId="758066516" sldId="333"/>
-        </pc:sldMkLst>
-      </pc:sldChg>
-      <pc:sldChg chg="del">
-        <pc:chgData name="Lwin Moe" userId="aa63d423-27f4-4437-9471-19c5c3fbd463" providerId="ADAL" clId="{AE3B1190-21FE-4135-AD65-81008166E137}" dt="2024-10-28T18:13:45.142" v="0" actId="47"/>
-        <pc:sldMkLst>
-          <pc:docMk/>
-          <pc:sldMk cId="1618850026" sldId="334"/>
-        </pc:sldMkLst>
-      </pc:sldChg>
-      <pc:sldChg chg="del">
-        <pc:chgData name="Lwin Moe" userId="aa63d423-27f4-4437-9471-19c5c3fbd463" providerId="ADAL" clId="{AE3B1190-21FE-4135-AD65-81008166E137}" dt="2024-10-28T18:13:45.142" v="0" actId="47"/>
-        <pc:sldMkLst>
-          <pc:docMk/>
-          <pc:sldMk cId="2823499282" sldId="335"/>
-        </pc:sldMkLst>
-      </pc:sldChg>
-      <pc:sldChg chg="del">
-        <pc:chgData name="Lwin Moe" userId="aa63d423-27f4-4437-9471-19c5c3fbd463" providerId="ADAL" clId="{AE3B1190-21FE-4135-AD65-81008166E137}" dt="2024-10-28T18:13:45.142" v="0" actId="47"/>
-        <pc:sldMkLst>
-          <pc:docMk/>
-          <pc:sldMk cId="2815999781" sldId="336"/>
-        </pc:sldMkLst>
-      </pc:sldChg>
-      <pc:sldChg chg="del">
-        <pc:chgData name="Lwin Moe" userId="aa63d423-27f4-4437-9471-19c5c3fbd463" providerId="ADAL" clId="{AE3B1190-21FE-4135-AD65-81008166E137}" dt="2024-10-28T18:13:45.142" v="0" actId="47"/>
-        <pc:sldMkLst>
-          <pc:docMk/>
-          <pc:sldMk cId="683095383" sldId="337"/>
-        </pc:sldMkLst>
-      </pc:sldChg>
-      <pc:sldChg chg="del">
-        <pc:chgData name="Lwin Moe" userId="aa63d423-27f4-4437-9471-19c5c3fbd463" providerId="ADAL" clId="{AE3B1190-21FE-4135-AD65-81008166E137}" dt="2024-10-28T18:13:45.142" v="0" actId="47"/>
-        <pc:sldMkLst>
-          <pc:docMk/>
-          <pc:sldMk cId="1501653583" sldId="338"/>
-        </pc:sldMkLst>
-      </pc:sldChg>
-      <pc:sldChg chg="del">
-        <pc:chgData name="Lwin Moe" userId="aa63d423-27f4-4437-9471-19c5c3fbd463" providerId="ADAL" clId="{AE3B1190-21FE-4135-AD65-81008166E137}" dt="2024-10-28T18:13:45.142" v="0" actId="47"/>
-        <pc:sldMkLst>
-          <pc:docMk/>
-          <pc:sldMk cId="3001305662" sldId="339"/>
-        </pc:sldMkLst>
-      </pc:sldChg>
-      <pc:sldChg chg="del">
-        <pc:chgData name="Lwin Moe" userId="aa63d423-27f4-4437-9471-19c5c3fbd463" providerId="ADAL" clId="{AE3B1190-21FE-4135-AD65-81008166E137}" dt="2024-10-28T18:13:45.142" v="0" actId="47"/>
-        <pc:sldMkLst>
-          <pc:docMk/>
-          <pc:sldMk cId="2558606341" sldId="340"/>
-        </pc:sldMkLst>
-      </pc:sldChg>
-      <pc:sldChg chg="del">
-        <pc:chgData name="Lwin Moe" userId="aa63d423-27f4-4437-9471-19c5c3fbd463" providerId="ADAL" clId="{AE3B1190-21FE-4135-AD65-81008166E137}" dt="2024-10-28T18:13:45.142" v="0" actId="47"/>
-        <pc:sldMkLst>
-          <pc:docMk/>
-          <pc:sldMk cId="2727781528" sldId="341"/>
-        </pc:sldMkLst>
-      </pc:sldChg>
-      <pc:sldChg chg="del">
-        <pc:chgData name="Lwin Moe" userId="aa63d423-27f4-4437-9471-19c5c3fbd463" providerId="ADAL" clId="{AE3B1190-21FE-4135-AD65-81008166E137}" dt="2024-10-28T18:13:45.142" v="0" actId="47"/>
-        <pc:sldMkLst>
-          <pc:docMk/>
-          <pc:sldMk cId="93001818" sldId="342"/>
-        </pc:sldMkLst>
-      </pc:sldChg>
-      <pc:sldChg chg="del">
-        <pc:chgData name="Lwin Moe" userId="aa63d423-27f4-4437-9471-19c5c3fbd463" providerId="ADAL" clId="{AE3B1190-21FE-4135-AD65-81008166E137}" dt="2024-10-28T18:13:45.142" v="0" actId="47"/>
-        <pc:sldMkLst>
-          <pc:docMk/>
-          <pc:sldMk cId="199526296" sldId="343"/>
-        </pc:sldMkLst>
-      </pc:sldChg>
-      <pc:sldChg chg="del">
-        <pc:chgData name="Lwin Moe" userId="aa63d423-27f4-4437-9471-19c5c3fbd463" providerId="ADAL" clId="{AE3B1190-21FE-4135-AD65-81008166E137}" dt="2024-10-28T18:13:45.142" v="0" actId="47"/>
-        <pc:sldMkLst>
-          <pc:docMk/>
-          <pc:sldMk cId="3245916915" sldId="344"/>
-        </pc:sldMkLst>
-      </pc:sldChg>
-      <pc:sldChg chg="del">
-        <pc:chgData name="Lwin Moe" userId="aa63d423-27f4-4437-9471-19c5c3fbd463" providerId="ADAL" clId="{AE3B1190-21FE-4135-AD65-81008166E137}" dt="2024-10-28T18:13:45.142" v="0" actId="47"/>
-        <pc:sldMkLst>
-          <pc:docMk/>
-          <pc:sldMk cId="1624870132" sldId="345"/>
-        </pc:sldMkLst>
-      </pc:sldChg>
-      <pc:sldChg chg="del">
-        <pc:chgData name="Lwin Moe" userId="aa63d423-27f4-4437-9471-19c5c3fbd463" providerId="ADAL" clId="{AE3B1190-21FE-4135-AD65-81008166E137}" dt="2024-10-28T18:13:45.142" v="0" actId="47"/>
-        <pc:sldMkLst>
-          <pc:docMk/>
-          <pc:sldMk cId="2893502779" sldId="346"/>
-        </pc:sldMkLst>
-      </pc:sldChg>
-      <pc:sldChg chg="del">
-        <pc:chgData name="Lwin Moe" userId="aa63d423-27f4-4437-9471-19c5c3fbd463" providerId="ADAL" clId="{AE3B1190-21FE-4135-AD65-81008166E137}" dt="2024-10-28T18:13:45.142" v="0" actId="47"/>
-        <pc:sldMkLst>
-          <pc:docMk/>
-          <pc:sldMk cId="3821269283" sldId="347"/>
-        </pc:sldMkLst>
-      </pc:sldChg>
-      <pc:sldChg chg="del">
-        <pc:chgData name="Lwin Moe" userId="aa63d423-27f4-4437-9471-19c5c3fbd463" providerId="ADAL" clId="{AE3B1190-21FE-4135-AD65-81008166E137}" dt="2024-10-28T18:13:45.142" v="0" actId="47"/>
-        <pc:sldMkLst>
-          <pc:docMk/>
-          <pc:sldMk cId="3009089665" sldId="348"/>
-        </pc:sldMkLst>
-      </pc:sldChg>
-      <pc:sldChg chg="del">
-        <pc:chgData name="Lwin Moe" userId="aa63d423-27f4-4437-9471-19c5c3fbd463" providerId="ADAL" clId="{AE3B1190-21FE-4135-AD65-81008166E137}" dt="2024-10-28T18:13:45.142" v="0" actId="47"/>
-        <pc:sldMkLst>
-          <pc:docMk/>
-          <pc:sldMk cId="3033078742" sldId="349"/>
-        </pc:sldMkLst>
-      </pc:sldChg>
-      <pc:sldChg chg="del">
-        <pc:chgData name="Lwin Moe" userId="aa63d423-27f4-4437-9471-19c5c3fbd463" providerId="ADAL" clId="{AE3B1190-21FE-4135-AD65-81008166E137}" dt="2024-10-28T18:13:45.142" v="0" actId="47"/>
-        <pc:sldMkLst>
-          <pc:docMk/>
-          <pc:sldMk cId="39432158" sldId="350"/>
-        </pc:sldMkLst>
-      </pc:sldChg>
-      <pc:sldChg chg="del">
-        <pc:chgData name="Lwin Moe" userId="aa63d423-27f4-4437-9471-19c5c3fbd463" providerId="ADAL" clId="{AE3B1190-21FE-4135-AD65-81008166E137}" dt="2024-10-28T18:13:45.142" v="0" actId="47"/>
-        <pc:sldMkLst>
-          <pc:docMk/>
-          <pc:sldMk cId="1458709755" sldId="355"/>
-        </pc:sldMkLst>
-      </pc:sldChg>
-      <pc:sldChg chg="del">
-        <pc:chgData name="Lwin Moe" userId="aa63d423-27f4-4437-9471-19c5c3fbd463" providerId="ADAL" clId="{AE3B1190-21FE-4135-AD65-81008166E137}" dt="2024-10-28T18:13:45.142" v="0" actId="47"/>
-        <pc:sldMkLst>
-          <pc:docMk/>
-          <pc:sldMk cId="1985005098" sldId="356"/>
-        </pc:sldMkLst>
-      </pc:sldChg>
-      <pc:sldChg chg="del">
-        <pc:chgData name="Lwin Moe" userId="aa63d423-27f4-4437-9471-19c5c3fbd463" providerId="ADAL" clId="{AE3B1190-21FE-4135-AD65-81008166E137}" dt="2024-10-28T18:13:45.142" v="0" actId="47"/>
-        <pc:sldMkLst>
-          <pc:docMk/>
-          <pc:sldMk cId="1165715483" sldId="357"/>
-        </pc:sldMkLst>
-      </pc:sldChg>
-      <pc:sldChg chg="del">
-        <pc:chgData name="Lwin Moe" userId="aa63d423-27f4-4437-9471-19c5c3fbd463" providerId="ADAL" clId="{AE3B1190-21FE-4135-AD65-81008166E137}" dt="2024-10-28T18:13:45.142" v="0" actId="47"/>
-        <pc:sldMkLst>
-          <pc:docMk/>
-          <pc:sldMk cId="2743221996" sldId="358"/>
-        </pc:sldMkLst>
-      </pc:sldChg>
-      <pc:sldChg chg="del">
-        <pc:chgData name="Lwin Moe" userId="aa63d423-27f4-4437-9471-19c5c3fbd463" providerId="ADAL" clId="{AE3B1190-21FE-4135-AD65-81008166E137}" dt="2024-10-28T18:13:45.142" v="0" actId="47"/>
-        <pc:sldMkLst>
-          <pc:docMk/>
-          <pc:sldMk cId="3712654860" sldId="359"/>
-        </pc:sldMkLst>
-      </pc:sldChg>
-      <pc:sldChg chg="del">
-        <pc:chgData name="Lwin Moe" userId="aa63d423-27f4-4437-9471-19c5c3fbd463" providerId="ADAL" clId="{AE3B1190-21FE-4135-AD65-81008166E137}" dt="2024-10-28T18:13:45.142" v="0" actId="47"/>
-        <pc:sldMkLst>
-          <pc:docMk/>
-          <pc:sldMk cId="498151450" sldId="360"/>
-        </pc:sldMkLst>
-      </pc:sldChg>
-      <pc:sldChg chg="del">
-        <pc:chgData name="Lwin Moe" userId="aa63d423-27f4-4437-9471-19c5c3fbd463" providerId="ADAL" clId="{AE3B1190-21FE-4135-AD65-81008166E137}" dt="2024-10-28T18:13:45.142" v="0" actId="47"/>
-        <pc:sldMkLst>
-          <pc:docMk/>
-          <pc:sldMk cId="1716104075" sldId="361"/>
-        </pc:sldMkLst>
-      </pc:sldChg>
-      <pc:sldChg chg="del">
-        <pc:chgData name="Lwin Moe" userId="aa63d423-27f4-4437-9471-19c5c3fbd463" providerId="ADAL" clId="{AE3B1190-21FE-4135-AD65-81008166E137}" dt="2024-10-28T18:13:45.142" v="0" actId="47"/>
-        <pc:sldMkLst>
-          <pc:docMk/>
-          <pc:sldMk cId="1147273649" sldId="362"/>
-        </pc:sldMkLst>
-      </pc:sldChg>
-      <pc:sldChg chg="del">
-        <pc:chgData name="Lwin Moe" userId="aa63d423-27f4-4437-9471-19c5c3fbd463" providerId="ADAL" clId="{AE3B1190-21FE-4135-AD65-81008166E137}" dt="2024-10-28T18:13:45.142" v="0" actId="47"/>
-        <pc:sldMkLst>
-          <pc:docMk/>
-          <pc:sldMk cId="1914389232" sldId="363"/>
-        </pc:sldMkLst>
-      </pc:sldChg>
-      <pc:sldChg chg="del">
-        <pc:chgData name="Lwin Moe" userId="aa63d423-27f4-4437-9471-19c5c3fbd463" providerId="ADAL" clId="{AE3B1190-21FE-4135-AD65-81008166E137}" dt="2024-10-28T18:13:45.142" v="0" actId="47"/>
-        <pc:sldMkLst>
-          <pc:docMk/>
-          <pc:sldMk cId="3569877172" sldId="364"/>
-        </pc:sldMkLst>
-      </pc:sldChg>
-      <pc:sldChg chg="del">
-        <pc:chgData name="Lwin Moe" userId="aa63d423-27f4-4437-9471-19c5c3fbd463" providerId="ADAL" clId="{AE3B1190-21FE-4135-AD65-81008166E137}" dt="2024-10-28T18:13:45.142" v="0" actId="47"/>
-        <pc:sldMkLst>
-          <pc:docMk/>
-          <pc:sldMk cId="2323490974" sldId="365"/>
-        </pc:sldMkLst>
-      </pc:sldChg>
-      <pc:sldChg chg="del">
-        <pc:chgData name="Lwin Moe" userId="aa63d423-27f4-4437-9471-19c5c3fbd463" providerId="ADAL" clId="{AE3B1190-21FE-4135-AD65-81008166E137}" dt="2024-10-28T18:13:45.142" v="0" actId="47"/>
-        <pc:sldMkLst>
-          <pc:docMk/>
-          <pc:sldMk cId="1328816055" sldId="366"/>
-        </pc:sldMkLst>
-      </pc:sldChg>
-      <pc:sldChg chg="del">
-        <pc:chgData name="Lwin Moe" userId="aa63d423-27f4-4437-9471-19c5c3fbd463" providerId="ADAL" clId="{AE3B1190-21FE-4135-AD65-81008166E137}" dt="2024-10-28T18:13:45.142" v="0" actId="47"/>
-        <pc:sldMkLst>
-          <pc:docMk/>
-          <pc:sldMk cId="2885273287" sldId="367"/>
-        </pc:sldMkLst>
-      </pc:sldChg>
-      <pc:sldChg chg="del">
-        <pc:chgData name="Lwin Moe" userId="aa63d423-27f4-4437-9471-19c5c3fbd463" providerId="ADAL" clId="{AE3B1190-21FE-4135-AD65-81008166E137}" dt="2024-10-28T18:13:45.142" v="0" actId="47"/>
-        <pc:sldMkLst>
-          <pc:docMk/>
-          <pc:sldMk cId="2263341135" sldId="368"/>
-        </pc:sldMkLst>
-      </pc:sldChg>
-      <pc:sldChg chg="del">
-        <pc:chgData name="Lwin Moe" userId="aa63d423-27f4-4437-9471-19c5c3fbd463" providerId="ADAL" clId="{AE3B1190-21FE-4135-AD65-81008166E137}" dt="2024-10-28T18:13:45.142" v="0" actId="47"/>
-        <pc:sldMkLst>
-          <pc:docMk/>
-          <pc:sldMk cId="3770713640" sldId="369"/>
-        </pc:sldMkLst>
-      </pc:sldChg>
-      <pc:sldChg chg="del">
-        <pc:chgData name="Lwin Moe" userId="aa63d423-27f4-4437-9471-19c5c3fbd463" providerId="ADAL" clId="{AE3B1190-21FE-4135-AD65-81008166E137}" dt="2024-10-28T18:13:45.142" v="0" actId="47"/>
-        <pc:sldMkLst>
-          <pc:docMk/>
-          <pc:sldMk cId="2285614106" sldId="370"/>
-        </pc:sldMkLst>
-      </pc:sldChg>
-      <pc:sldChg chg="del">
-        <pc:chgData name="Lwin Moe" userId="aa63d423-27f4-4437-9471-19c5c3fbd463" providerId="ADAL" clId="{AE3B1190-21FE-4135-AD65-81008166E137}" dt="2024-10-28T18:13:45.142" v="0" actId="47"/>
-        <pc:sldMkLst>
-          <pc:docMk/>
-          <pc:sldMk cId="1147875719" sldId="371"/>
-        </pc:sldMkLst>
-      </pc:sldChg>
-      <pc:sldChg chg="del">
-        <pc:chgData name="Lwin Moe" userId="aa63d423-27f4-4437-9471-19c5c3fbd463" providerId="ADAL" clId="{AE3B1190-21FE-4135-AD65-81008166E137}" dt="2024-10-28T18:13:45.142" v="0" actId="47"/>
-        <pc:sldMkLst>
-          <pc:docMk/>
-          <pc:sldMk cId="4032456849" sldId="372"/>
-        </pc:sldMkLst>
-      </pc:sldChg>
-      <pc:sldChg chg="del">
-        <pc:chgData name="Lwin Moe" userId="aa63d423-27f4-4437-9471-19c5c3fbd463" providerId="ADAL" clId="{AE3B1190-21FE-4135-AD65-81008166E137}" dt="2024-10-28T18:13:45.142" v="0" actId="47"/>
-        <pc:sldMkLst>
-          <pc:docMk/>
-          <pc:sldMk cId="1486107262" sldId="683"/>
-        </pc:sldMkLst>
-      </pc:sldChg>
-      <pc:sldChg chg="del">
-        <pc:chgData name="Lwin Moe" userId="aa63d423-27f4-4437-9471-19c5c3fbd463" providerId="ADAL" clId="{AE3B1190-21FE-4135-AD65-81008166E137}" dt="2024-10-28T18:13:45.142" v="0" actId="47"/>
-        <pc:sldMkLst>
-          <pc:docMk/>
-          <pc:sldMk cId="2666985554" sldId="684"/>
-        </pc:sldMkLst>
-      </pc:sldChg>
-      <pc:sldChg chg="del">
-        <pc:chgData name="Lwin Moe" userId="aa63d423-27f4-4437-9471-19c5c3fbd463" providerId="ADAL" clId="{AE3B1190-21FE-4135-AD65-81008166E137}" dt="2024-10-28T18:13:45.142" v="0" actId="47"/>
-        <pc:sldMkLst>
-          <pc:docMk/>
-          <pc:sldMk cId="1692710563" sldId="685"/>
-        </pc:sldMkLst>
-      </pc:sldChg>
-      <pc:sldChg chg="del">
-        <pc:chgData name="Lwin Moe" userId="aa63d423-27f4-4437-9471-19c5c3fbd463" providerId="ADAL" clId="{AE3B1190-21FE-4135-AD65-81008166E137}" dt="2024-10-28T18:13:45.142" v="0" actId="47"/>
-        <pc:sldMkLst>
-          <pc:docMk/>
-          <pc:sldMk cId="3504796518" sldId="686"/>
-        </pc:sldMkLst>
-      </pc:sldChg>
-      <pc:sldChg chg="del">
-        <pc:chgData name="Lwin Moe" userId="aa63d423-27f4-4437-9471-19c5c3fbd463" providerId="ADAL" clId="{AE3B1190-21FE-4135-AD65-81008166E137}" dt="2024-10-28T18:13:45.142" v="0" actId="47"/>
-        <pc:sldMkLst>
-          <pc:docMk/>
-          <pc:sldMk cId="3738409112" sldId="732"/>
-        </pc:sldMkLst>
-      </pc:sldChg>
-      <pc:sldChg chg="del">
-        <pc:chgData name="Lwin Moe" userId="aa63d423-27f4-4437-9471-19c5c3fbd463" providerId="ADAL" clId="{AE3B1190-21FE-4135-AD65-81008166E137}" dt="2024-10-28T18:13:45.142" v="0" actId="47"/>
-        <pc:sldMkLst>
-          <pc:docMk/>
-          <pc:sldMk cId="852173958" sldId="733"/>
-        </pc:sldMkLst>
-      </pc:sldChg>
-      <pc:sldChg chg="del">
-        <pc:chgData name="Lwin Moe" userId="aa63d423-27f4-4437-9471-19c5c3fbd463" providerId="ADAL" clId="{AE3B1190-21FE-4135-AD65-81008166E137}" dt="2024-10-28T18:13:45.142" v="0" actId="47"/>
-        <pc:sldMkLst>
-          <pc:docMk/>
-          <pc:sldMk cId="3846381481" sldId="737"/>
-        </pc:sldMkLst>
-      </pc:sldChg>
-      <pc:sldChg chg="del">
-        <pc:chgData name="Lwin Moe" userId="aa63d423-27f4-4437-9471-19c5c3fbd463" providerId="ADAL" clId="{AE3B1190-21FE-4135-AD65-81008166E137}" dt="2024-10-28T18:13:45.142" v="0" actId="47"/>
-        <pc:sldMkLst>
-          <pc:docMk/>
-          <pc:sldMk cId="544488890" sldId="738"/>
-        </pc:sldMkLst>
-      </pc:sldChg>
-      <pc:sldChg chg="del">
-        <pc:chgData name="Lwin Moe" userId="aa63d423-27f4-4437-9471-19c5c3fbd463" providerId="ADAL" clId="{AE3B1190-21FE-4135-AD65-81008166E137}" dt="2024-10-28T18:13:45.142" v="0" actId="47"/>
-        <pc:sldMkLst>
-          <pc:docMk/>
-          <pc:sldMk cId="1732664921" sldId="739"/>
-        </pc:sldMkLst>
-      </pc:sldChg>
-      <pc:sldChg chg="del">
-        <pc:chgData name="Lwin Moe" userId="aa63d423-27f4-4437-9471-19c5c3fbd463" providerId="ADAL" clId="{AE3B1190-21FE-4135-AD65-81008166E137}" dt="2024-10-28T18:13:45.142" v="0" actId="47"/>
-        <pc:sldMkLst>
-          <pc:docMk/>
-          <pc:sldMk cId="1869697349" sldId="740"/>
-        </pc:sldMkLst>
-      </pc:sldChg>
-      <pc:sldChg chg="del">
-        <pc:chgData name="Lwin Moe" userId="aa63d423-27f4-4437-9471-19c5c3fbd463" providerId="ADAL" clId="{AE3B1190-21FE-4135-AD65-81008166E137}" dt="2024-10-28T18:13:45.142" v="0" actId="47"/>
-        <pc:sldMkLst>
-          <pc:docMk/>
-          <pc:sldMk cId="1518057325" sldId="741"/>
-        </pc:sldMkLst>
-      </pc:sldChg>
-      <pc:sldChg chg="del">
-        <pc:chgData name="Lwin Moe" userId="aa63d423-27f4-4437-9471-19c5c3fbd463" providerId="ADAL" clId="{AE3B1190-21FE-4135-AD65-81008166E137}" dt="2024-10-28T18:13:45.142" v="0" actId="47"/>
-        <pc:sldMkLst>
-          <pc:docMk/>
-          <pc:sldMk cId="1973142556" sldId="742"/>
-        </pc:sldMkLst>
-      </pc:sldChg>
-      <pc:sldChg chg="del">
-        <pc:chgData name="Lwin Moe" userId="aa63d423-27f4-4437-9471-19c5c3fbd463" providerId="ADAL" clId="{AE3B1190-21FE-4135-AD65-81008166E137}" dt="2024-10-28T18:13:45.142" v="0" actId="47"/>
-        <pc:sldMkLst>
-          <pc:docMk/>
-          <pc:sldMk cId="3250114496" sldId="743"/>
-        </pc:sldMkLst>
-      </pc:sldChg>
-      <pc:sldChg chg="del">
-        <pc:chgData name="Lwin Moe" userId="aa63d423-27f4-4437-9471-19c5c3fbd463" providerId="ADAL" clId="{AE3B1190-21FE-4135-AD65-81008166E137}" dt="2024-10-28T18:13:45.142" v="0" actId="47"/>
-        <pc:sldMkLst>
-          <pc:docMk/>
-          <pc:sldMk cId="2253041917" sldId="744"/>
-        </pc:sldMkLst>
-      </pc:sldChg>
-      <pc:sldChg chg="modSp mod">
-        <pc:chgData name="Lwin Moe" userId="aa63d423-27f4-4437-9471-19c5c3fbd463" providerId="ADAL" clId="{AE3B1190-21FE-4135-AD65-81008166E137}" dt="2024-10-28T18:15:16.953" v="98" actId="20577"/>
-        <pc:sldMkLst>
-          <pc:docMk/>
-          <pc:sldMk cId="261624358" sldId="751"/>
-        </pc:sldMkLst>
-        <pc:spChg chg="mod">
-          <ac:chgData name="Lwin Moe" userId="aa63d423-27f4-4437-9471-19c5c3fbd463" providerId="ADAL" clId="{AE3B1190-21FE-4135-AD65-81008166E137}" dt="2024-10-28T18:15:16.953" v="98" actId="20577"/>
-          <ac:spMkLst>
-            <pc:docMk/>
-            <pc:sldMk cId="261624358" sldId="751"/>
-            <ac:spMk id="5" creationId="{4C833EEE-818A-B7B8-604B-79E8D53DC95A}"/>
-          </ac:spMkLst>
-        </pc:spChg>
-      </pc:sldChg>
-      <pc:sldChg chg="del">
-        <pc:chgData name="Lwin Moe" userId="aa63d423-27f4-4437-9471-19c5c3fbd463" providerId="ADAL" clId="{AE3B1190-21FE-4135-AD65-81008166E137}" dt="2024-10-28T18:13:45.142" v="0" actId="47"/>
-        <pc:sldMkLst>
-          <pc:docMk/>
-          <pc:sldMk cId="1544794692" sldId="753"/>
-        </pc:sldMkLst>
-      </pc:sldChg>
-      <pc:sldChg chg="del">
-        <pc:chgData name="Lwin Moe" userId="aa63d423-27f4-4437-9471-19c5c3fbd463" providerId="ADAL" clId="{AE3B1190-21FE-4135-AD65-81008166E137}" dt="2024-10-28T18:13:45.142" v="0" actId="47"/>
-        <pc:sldMkLst>
-          <pc:docMk/>
-          <pc:sldMk cId="3591978468" sldId="754"/>
-        </pc:sldMkLst>
-      </pc:sldChg>
-      <pc:sldChg chg="del">
-        <pc:chgData name="Lwin Moe" userId="aa63d423-27f4-4437-9471-19c5c3fbd463" providerId="ADAL" clId="{AE3B1190-21FE-4135-AD65-81008166E137}" dt="2024-10-28T18:13:45.142" v="0" actId="47"/>
-        <pc:sldMkLst>
-          <pc:docMk/>
-          <pc:sldMk cId="1301645884" sldId="755"/>
-        </pc:sldMkLst>
-      </pc:sldChg>
-      <pc:sldChg chg="modSp new mod">
-        <pc:chgData name="Lwin Moe" userId="aa63d423-27f4-4437-9471-19c5c3fbd463" providerId="ADAL" clId="{AE3B1190-21FE-4135-AD65-81008166E137}" dt="2024-10-28T23:28:21.235" v="326" actId="20577"/>
-        <pc:sldMkLst>
-          <pc:docMk/>
-          <pc:sldMk cId="734226948" sldId="758"/>
-        </pc:sldMkLst>
-        <pc:spChg chg="mod">
-          <ac:chgData name="Lwin Moe" userId="aa63d423-27f4-4437-9471-19c5c3fbd463" providerId="ADAL" clId="{AE3B1190-21FE-4135-AD65-81008166E137}" dt="2024-10-28T23:10:22.274" v="134" actId="20577"/>
-          <ac:spMkLst>
-            <pc:docMk/>
-            <pc:sldMk cId="734226948" sldId="758"/>
-            <ac:spMk id="2" creationId="{963D2D2B-C493-191D-ED26-6DF9CB9A8BF1}"/>
-          </ac:spMkLst>
-        </pc:spChg>
-        <pc:spChg chg="mod">
-          <ac:chgData name="Lwin Moe" userId="aa63d423-27f4-4437-9471-19c5c3fbd463" providerId="ADAL" clId="{AE3B1190-21FE-4135-AD65-81008166E137}" dt="2024-10-28T23:28:21.235" v="326" actId="20577"/>
-          <ac:spMkLst>
-            <pc:docMk/>
-            <pc:sldMk cId="734226948" sldId="758"/>
-            <ac:spMk id="3" creationId="{90D3099F-A4DF-56CE-0218-D75C630A6FCC}"/>
-          </ac:spMkLst>
-        </pc:spChg>
-      </pc:sldChg>
-      <pc:sldChg chg="del">
-        <pc:chgData name="Lwin Moe" userId="aa63d423-27f4-4437-9471-19c5c3fbd463" providerId="ADAL" clId="{AE3B1190-21FE-4135-AD65-81008166E137}" dt="2024-10-28T18:13:45.142" v="0" actId="47"/>
-        <pc:sldMkLst>
-          <pc:docMk/>
-          <pc:sldMk cId="2265117332" sldId="758"/>
-        </pc:sldMkLst>
-      </pc:sldChg>
-      <pc:sldChg chg="modSp new mod">
-        <pc:chgData name="Lwin Moe" userId="aa63d423-27f4-4437-9471-19c5c3fbd463" providerId="ADAL" clId="{AE3B1190-21FE-4135-AD65-81008166E137}" dt="2024-10-28T23:26:33.486" v="302" actId="20577"/>
-        <pc:sldMkLst>
-          <pc:docMk/>
-          <pc:sldMk cId="3306759693" sldId="759"/>
-        </pc:sldMkLst>
-        <pc:spChg chg="mod">
-          <ac:chgData name="Lwin Moe" userId="aa63d423-27f4-4437-9471-19c5c3fbd463" providerId="ADAL" clId="{AE3B1190-21FE-4135-AD65-81008166E137}" dt="2024-10-28T23:26:27.157" v="301"/>
-          <ac:spMkLst>
-            <pc:docMk/>
-            <pc:sldMk cId="3306759693" sldId="759"/>
-            <ac:spMk id="2" creationId="{1A99831A-3E0C-9C8B-BD47-5F38CE79CE65}"/>
-          </ac:spMkLst>
-        </pc:spChg>
-        <pc:spChg chg="mod">
-          <ac:chgData name="Lwin Moe" userId="aa63d423-27f4-4437-9471-19c5c3fbd463" providerId="ADAL" clId="{AE3B1190-21FE-4135-AD65-81008166E137}" dt="2024-10-28T23:26:33.486" v="302" actId="20577"/>
-          <ac:spMkLst>
-            <pc:docMk/>
-            <pc:sldMk cId="3306759693" sldId="759"/>
-            <ac:spMk id="3" creationId="{218485B0-5583-4933-892C-A75E305D8150}"/>
-          </ac:spMkLst>
-        </pc:spChg>
-      </pc:sldChg>
-      <pc:sldChg chg="del">
-        <pc:chgData name="Lwin Moe" userId="aa63d423-27f4-4437-9471-19c5c3fbd463" providerId="ADAL" clId="{AE3B1190-21FE-4135-AD65-81008166E137}" dt="2024-10-28T18:13:45.142" v="0" actId="47"/>
-        <pc:sldMkLst>
-          <pc:docMk/>
-          <pc:sldMk cId="3576590787" sldId="759"/>
-        </pc:sldMkLst>
-      </pc:sldChg>
-      <pc:sldChg chg="del">
-        <pc:chgData name="Lwin Moe" userId="aa63d423-27f4-4437-9471-19c5c3fbd463" providerId="ADAL" clId="{AE3B1190-21FE-4135-AD65-81008166E137}" dt="2024-10-28T18:13:45.142" v="0" actId="47"/>
-        <pc:sldMkLst>
-          <pc:docMk/>
-          <pc:sldMk cId="2322705092" sldId="760"/>
-        </pc:sldMkLst>
-      </pc:sldChg>
-      <pc:sldChg chg="addSp delSp modSp new mod">
-        <pc:chgData name="Lwin Moe" userId="aa63d423-27f4-4437-9471-19c5c3fbd463" providerId="ADAL" clId="{AE3B1190-21FE-4135-AD65-81008166E137}" dt="2024-10-28T23:31:29.017" v="355" actId="962"/>
-        <pc:sldMkLst>
-          <pc:docMk/>
-          <pc:sldMk cId="3491339349" sldId="760"/>
-        </pc:sldMkLst>
-        <pc:spChg chg="mod">
-          <ac:chgData name="Lwin Moe" userId="aa63d423-27f4-4437-9471-19c5c3fbd463" providerId="ADAL" clId="{AE3B1190-21FE-4135-AD65-81008166E137}" dt="2024-10-28T23:29:20.892" v="352" actId="20577"/>
-          <ac:spMkLst>
-            <pc:docMk/>
-            <pc:sldMk cId="3491339349" sldId="760"/>
-            <ac:spMk id="2" creationId="{4FD512A5-9BF7-CD95-BE66-7215DD9A92C0}"/>
-          </ac:spMkLst>
-        </pc:spChg>
-        <pc:spChg chg="del">
-          <ac:chgData name="Lwin Moe" userId="aa63d423-27f4-4437-9471-19c5c3fbd463" providerId="ADAL" clId="{AE3B1190-21FE-4135-AD65-81008166E137}" dt="2024-10-28T23:31:28.157" v="353" actId="931"/>
-          <ac:spMkLst>
-            <pc:docMk/>
-            <pc:sldMk cId="3491339349" sldId="760"/>
-            <ac:spMk id="3" creationId="{4C3ADD0A-3F00-8DDB-E127-5A9665FB237A}"/>
-          </ac:spMkLst>
-        </pc:spChg>
-        <pc:picChg chg="add mod">
-          <ac:chgData name="Lwin Moe" userId="aa63d423-27f4-4437-9471-19c5c3fbd463" providerId="ADAL" clId="{AE3B1190-21FE-4135-AD65-81008166E137}" dt="2024-10-28T23:31:29.017" v="355" actId="962"/>
-          <ac:picMkLst>
-            <pc:docMk/>
-            <pc:sldMk cId="3491339349" sldId="760"/>
-            <ac:picMk id="6" creationId="{2C5703B7-686F-340A-9AE3-5437748B2D8B}"/>
-          </ac:picMkLst>
-        </pc:picChg>
-      </pc:sldChg>
-      <pc:sldChg chg="addSp delSp modSp new mod">
-        <pc:chgData name="Lwin Moe" userId="aa63d423-27f4-4437-9471-19c5c3fbd463" providerId="ADAL" clId="{AE3B1190-21FE-4135-AD65-81008166E137}" dt="2024-10-28T23:32:02.954" v="368"/>
-        <pc:sldMkLst>
-          <pc:docMk/>
-          <pc:sldMk cId="619126878" sldId="761"/>
-        </pc:sldMkLst>
-        <pc:spChg chg="mod">
-          <ac:chgData name="Lwin Moe" userId="aa63d423-27f4-4437-9471-19c5c3fbd463" providerId="ADAL" clId="{AE3B1190-21FE-4135-AD65-81008166E137}" dt="2024-10-28T23:32:02.954" v="368"/>
-          <ac:spMkLst>
-            <pc:docMk/>
-            <pc:sldMk cId="619126878" sldId="761"/>
-            <ac:spMk id="2" creationId="{114AD8CC-791D-06DA-72CF-EE1822C07F8C}"/>
-          </ac:spMkLst>
-        </pc:spChg>
-        <pc:spChg chg="del">
-          <ac:chgData name="Lwin Moe" userId="aa63d423-27f4-4437-9471-19c5c3fbd463" providerId="ADAL" clId="{AE3B1190-21FE-4135-AD65-81008166E137}" dt="2024-10-28T23:31:37.283" v="357" actId="931"/>
-          <ac:spMkLst>
-            <pc:docMk/>
-            <pc:sldMk cId="619126878" sldId="761"/>
-            <ac:spMk id="3" creationId="{7754A0A8-A604-0CBA-1C79-2770EA88126A}"/>
-          </ac:spMkLst>
-        </pc:spChg>
-        <pc:picChg chg="add mod">
-          <ac:chgData name="Lwin Moe" userId="aa63d423-27f4-4437-9471-19c5c3fbd463" providerId="ADAL" clId="{AE3B1190-21FE-4135-AD65-81008166E137}" dt="2024-10-28T23:31:37.813" v="359" actId="962"/>
-          <ac:picMkLst>
-            <pc:docMk/>
-            <pc:sldMk cId="619126878" sldId="761"/>
-            <ac:picMk id="6" creationId="{D05C26F9-4AA5-76B5-6ED6-CD0A039DA8AC}"/>
-          </ac:picMkLst>
-        </pc:picChg>
-      </pc:sldChg>
-      <pc:sldChg chg="del">
-        <pc:chgData name="Lwin Moe" userId="aa63d423-27f4-4437-9471-19c5c3fbd463" providerId="ADAL" clId="{AE3B1190-21FE-4135-AD65-81008166E137}" dt="2024-10-28T18:13:45.142" v="0" actId="47"/>
-        <pc:sldMkLst>
-          <pc:docMk/>
-          <pc:sldMk cId="2450465649" sldId="761"/>
-        </pc:sldMkLst>
-      </pc:sldChg>
-      <pc:sldChg chg="addSp delSp modSp new mod">
-        <pc:chgData name="Lwin Moe" userId="aa63d423-27f4-4437-9471-19c5c3fbd463" providerId="ADAL" clId="{AE3B1190-21FE-4135-AD65-81008166E137}" dt="2024-10-28T23:32:05.126" v="369"/>
-        <pc:sldMkLst>
-          <pc:docMk/>
-          <pc:sldMk cId="1142503218" sldId="762"/>
-        </pc:sldMkLst>
-        <pc:spChg chg="mod">
-          <ac:chgData name="Lwin Moe" userId="aa63d423-27f4-4437-9471-19c5c3fbd463" providerId="ADAL" clId="{AE3B1190-21FE-4135-AD65-81008166E137}" dt="2024-10-28T23:32:05.126" v="369"/>
-          <ac:spMkLst>
-            <pc:docMk/>
-            <pc:sldMk cId="1142503218" sldId="762"/>
-            <ac:spMk id="2" creationId="{9BEB9631-237A-574D-A5EA-003957E11F5F}"/>
-          </ac:spMkLst>
-        </pc:spChg>
-        <pc:spChg chg="del">
-          <ac:chgData name="Lwin Moe" userId="aa63d423-27f4-4437-9471-19c5c3fbd463" providerId="ADAL" clId="{AE3B1190-21FE-4135-AD65-81008166E137}" dt="2024-10-28T23:31:43.985" v="361" actId="931"/>
-          <ac:spMkLst>
-            <pc:docMk/>
-            <pc:sldMk cId="1142503218" sldId="762"/>
-            <ac:spMk id="3" creationId="{BA3BDB86-DD2F-5A6E-B89B-938AE3EBA5AD}"/>
-          </ac:spMkLst>
-        </pc:spChg>
-        <pc:picChg chg="add mod">
-          <ac:chgData name="Lwin Moe" userId="aa63d423-27f4-4437-9471-19c5c3fbd463" providerId="ADAL" clId="{AE3B1190-21FE-4135-AD65-81008166E137}" dt="2024-10-28T23:31:44.548" v="363" actId="962"/>
-          <ac:picMkLst>
-            <pc:docMk/>
-            <pc:sldMk cId="1142503218" sldId="762"/>
-            <ac:picMk id="6" creationId="{60797F8C-A844-A5A9-33C7-ABD6EB3F24FF}"/>
-          </ac:picMkLst>
-        </pc:picChg>
-      </pc:sldChg>
-      <pc:sldChg chg="del">
-        <pc:chgData name="Lwin Moe" userId="aa63d423-27f4-4437-9471-19c5c3fbd463" providerId="ADAL" clId="{AE3B1190-21FE-4135-AD65-81008166E137}" dt="2024-10-28T18:13:45.142" v="0" actId="47"/>
-        <pc:sldMkLst>
-          <pc:docMk/>
-          <pc:sldMk cId="3578248873" sldId="762"/>
-        </pc:sldMkLst>
-      </pc:sldChg>
-      <pc:sldChg chg="del">
-        <pc:chgData name="Lwin Moe" userId="aa63d423-27f4-4437-9471-19c5c3fbd463" providerId="ADAL" clId="{AE3B1190-21FE-4135-AD65-81008166E137}" dt="2024-10-28T18:13:45.142" v="0" actId="47"/>
-        <pc:sldMkLst>
-          <pc:docMk/>
-          <pc:sldMk cId="372484429" sldId="763"/>
-        </pc:sldMkLst>
-      </pc:sldChg>
-      <pc:sldChg chg="addSp delSp modSp new mod">
-        <pc:chgData name="Lwin Moe" userId="aa63d423-27f4-4437-9471-19c5c3fbd463" providerId="ADAL" clId="{AE3B1190-21FE-4135-AD65-81008166E137}" dt="2024-10-28T23:32:07.048" v="370"/>
-        <pc:sldMkLst>
-          <pc:docMk/>
-          <pc:sldMk cId="1482827284" sldId="763"/>
-        </pc:sldMkLst>
-        <pc:spChg chg="mod">
-          <ac:chgData name="Lwin Moe" userId="aa63d423-27f4-4437-9471-19c5c3fbd463" providerId="ADAL" clId="{AE3B1190-21FE-4135-AD65-81008166E137}" dt="2024-10-28T23:32:07.048" v="370"/>
-          <ac:spMkLst>
-            <pc:docMk/>
-            <pc:sldMk cId="1482827284" sldId="763"/>
-            <ac:spMk id="2" creationId="{650195A0-0531-13A5-DAA8-D4E903E2BA92}"/>
-          </ac:spMkLst>
-        </pc:spChg>
-        <pc:spChg chg="del">
-          <ac:chgData name="Lwin Moe" userId="aa63d423-27f4-4437-9471-19c5c3fbd463" providerId="ADAL" clId="{AE3B1190-21FE-4135-AD65-81008166E137}" dt="2024-10-28T23:31:49.657" v="365" actId="931"/>
-          <ac:spMkLst>
-            <pc:docMk/>
-            <pc:sldMk cId="1482827284" sldId="763"/>
-            <ac:spMk id="3" creationId="{591F1FF1-AD1E-C6BD-3EE6-1CE3FF16214F}"/>
-          </ac:spMkLst>
-        </pc:spChg>
-        <pc:picChg chg="add mod">
-          <ac:chgData name="Lwin Moe" userId="aa63d423-27f4-4437-9471-19c5c3fbd463" providerId="ADAL" clId="{AE3B1190-21FE-4135-AD65-81008166E137}" dt="2024-10-28T23:31:50.251" v="367" actId="962"/>
-          <ac:picMkLst>
-            <pc:docMk/>
-            <pc:sldMk cId="1482827284" sldId="763"/>
-            <ac:picMk id="6" creationId="{A8588269-0599-FBAF-7859-281AB79A0554}"/>
-          </ac:picMkLst>
-        </pc:picChg>
-      </pc:sldChg>
-      <pc:sldChg chg="del">
-        <pc:chgData name="Lwin Moe" userId="aa63d423-27f4-4437-9471-19c5c3fbd463" providerId="ADAL" clId="{AE3B1190-21FE-4135-AD65-81008166E137}" dt="2024-10-28T18:13:45.142" v="0" actId="47"/>
-        <pc:sldMkLst>
-          <pc:docMk/>
-          <pc:sldMk cId="2092765865" sldId="764"/>
-        </pc:sldMkLst>
-      </pc:sldChg>
-      <pc:sldChg chg="addSp modSp new mod">
-        <pc:chgData name="Lwin Moe" userId="aa63d423-27f4-4437-9471-19c5c3fbd463" providerId="ADAL" clId="{AE3B1190-21FE-4135-AD65-81008166E137}" dt="2024-10-28T23:34:27.360" v="415" actId="1076"/>
-        <pc:sldMkLst>
-          <pc:docMk/>
-          <pc:sldMk cId="3084297702" sldId="764"/>
-        </pc:sldMkLst>
-        <pc:spChg chg="mod">
-          <ac:chgData name="Lwin Moe" userId="aa63d423-27f4-4437-9471-19c5c3fbd463" providerId="ADAL" clId="{AE3B1190-21FE-4135-AD65-81008166E137}" dt="2024-10-28T23:33:12.080" v="406" actId="20577"/>
-          <ac:spMkLst>
-            <pc:docMk/>
-            <pc:sldMk cId="3084297702" sldId="764"/>
-            <ac:spMk id="2" creationId="{426C2A59-68BD-B388-9FFE-EC4DDC08F8CB}"/>
-          </ac:spMkLst>
-        </pc:spChg>
-        <pc:spChg chg="mod">
-          <ac:chgData name="Lwin Moe" userId="aa63d423-27f4-4437-9471-19c5c3fbd463" providerId="ADAL" clId="{AE3B1190-21FE-4135-AD65-81008166E137}" dt="2024-10-28T23:33:32.782" v="409" actId="20577"/>
-          <ac:spMkLst>
-            <pc:docMk/>
-            <pc:sldMk cId="3084297702" sldId="764"/>
-            <ac:spMk id="3" creationId="{3A451079-6618-2ADE-327E-5110ABC43A35}"/>
-          </ac:spMkLst>
-        </pc:spChg>
-        <pc:picChg chg="add mod">
-          <ac:chgData name="Lwin Moe" userId="aa63d423-27f4-4437-9471-19c5c3fbd463" providerId="ADAL" clId="{AE3B1190-21FE-4135-AD65-81008166E137}" dt="2024-10-28T23:34:27.360" v="415" actId="1076"/>
-          <ac:picMkLst>
-            <pc:docMk/>
-            <pc:sldMk cId="3084297702" sldId="764"/>
-            <ac:picMk id="6" creationId="{630DDE98-8257-C7CD-FE78-ECC49D99137D}"/>
-          </ac:picMkLst>
-        </pc:picChg>
-      </pc:sldChg>
-      <pc:sldChg chg="del">
-        <pc:chgData name="Lwin Moe" userId="aa63d423-27f4-4437-9471-19c5c3fbd463" providerId="ADAL" clId="{AE3B1190-21FE-4135-AD65-81008166E137}" dt="2024-10-28T18:13:45.142" v="0" actId="47"/>
-        <pc:sldMkLst>
-          <pc:docMk/>
-          <pc:sldMk cId="2515119052" sldId="765"/>
-        </pc:sldMkLst>
-      </pc:sldChg>
-      <pc:sldChg chg="modSp new mod">
-        <pc:chgData name="Lwin Moe" userId="aa63d423-27f4-4437-9471-19c5c3fbd463" providerId="ADAL" clId="{AE3B1190-21FE-4135-AD65-81008166E137}" dt="2024-10-28T23:40:02" v="448"/>
-        <pc:sldMkLst>
-          <pc:docMk/>
-          <pc:sldMk cId="2812857336" sldId="765"/>
-        </pc:sldMkLst>
-        <pc:spChg chg="mod">
-          <ac:chgData name="Lwin Moe" userId="aa63d423-27f4-4437-9471-19c5c3fbd463" providerId="ADAL" clId="{AE3B1190-21FE-4135-AD65-81008166E137}" dt="2024-10-28T23:40:02" v="448"/>
-          <ac:spMkLst>
-            <pc:docMk/>
-            <pc:sldMk cId="2812857336" sldId="765"/>
-            <ac:spMk id="2" creationId="{38462ACF-10FD-00E2-539F-612FD6D34DB1}"/>
-          </ac:spMkLst>
-        </pc:spChg>
-        <pc:spChg chg="mod">
-          <ac:chgData name="Lwin Moe" userId="aa63d423-27f4-4437-9471-19c5c3fbd463" providerId="ADAL" clId="{AE3B1190-21FE-4135-AD65-81008166E137}" dt="2024-10-28T23:38:25.968" v="447" actId="20577"/>
-          <ac:spMkLst>
-            <pc:docMk/>
-            <pc:sldMk cId="2812857336" sldId="765"/>
-            <ac:spMk id="3" creationId="{5318043E-C213-C993-95A6-50AFC0B57ABE}"/>
-          </ac:spMkLst>
-        </pc:spChg>
-      </pc:sldChg>
-      <pc:sldChg chg="del">
-        <pc:chgData name="Lwin Moe" userId="aa63d423-27f4-4437-9471-19c5c3fbd463" providerId="ADAL" clId="{AE3B1190-21FE-4135-AD65-81008166E137}" dt="2024-10-28T18:13:45.142" v="0" actId="47"/>
-        <pc:sldMkLst>
-          <pc:docMk/>
-          <pc:sldMk cId="799081383" sldId="766"/>
-        </pc:sldMkLst>
-      </pc:sldChg>
-      <pc:sldChg chg="addSp delSp modSp new mod">
-        <pc:chgData name="Lwin Moe" userId="aa63d423-27f4-4437-9471-19c5c3fbd463" providerId="ADAL" clId="{AE3B1190-21FE-4135-AD65-81008166E137}" dt="2024-10-28T23:41:07.219" v="473"/>
-        <pc:sldMkLst>
-          <pc:docMk/>
-          <pc:sldMk cId="2460372834" sldId="766"/>
-        </pc:sldMkLst>
-        <pc:spChg chg="mod">
-          <ac:chgData name="Lwin Moe" userId="aa63d423-27f4-4437-9471-19c5c3fbd463" providerId="ADAL" clId="{AE3B1190-21FE-4135-AD65-81008166E137}" dt="2024-10-28T23:41:07.219" v="473"/>
-          <ac:spMkLst>
-            <pc:docMk/>
-            <pc:sldMk cId="2460372834" sldId="766"/>
-            <ac:spMk id="2" creationId="{4E123F6B-2977-F4E1-1246-09B6A5A19112}"/>
-          </ac:spMkLst>
-        </pc:spChg>
-        <pc:spChg chg="del">
-          <ac:chgData name="Lwin Moe" userId="aa63d423-27f4-4437-9471-19c5c3fbd463" providerId="ADAL" clId="{AE3B1190-21FE-4135-AD65-81008166E137}" dt="2024-10-28T23:40:14.828" v="450" actId="931"/>
-          <ac:spMkLst>
-            <pc:docMk/>
-            <pc:sldMk cId="2460372834" sldId="766"/>
-            <ac:spMk id="3" creationId="{75949D7F-F8D5-4354-0E9A-78F1CC35CEAC}"/>
-          </ac:spMkLst>
-        </pc:spChg>
-        <pc:picChg chg="add mod">
-          <ac:chgData name="Lwin Moe" userId="aa63d423-27f4-4437-9471-19c5c3fbd463" providerId="ADAL" clId="{AE3B1190-21FE-4135-AD65-81008166E137}" dt="2024-10-28T23:40:15.531" v="452" actId="962"/>
-          <ac:picMkLst>
-            <pc:docMk/>
-            <pc:sldMk cId="2460372834" sldId="766"/>
-            <ac:picMk id="6" creationId="{E774CC20-E518-E72E-CAC2-FCA8C0602861}"/>
-          </ac:picMkLst>
-        </pc:picChg>
-      </pc:sldChg>
-      <pc:sldChg chg="addSp delSp modSp new mod">
-        <pc:chgData name="Lwin Moe" userId="aa63d423-27f4-4437-9471-19c5c3fbd463" providerId="ADAL" clId="{AE3B1190-21FE-4135-AD65-81008166E137}" dt="2024-10-28T23:41:10.203" v="474"/>
-        <pc:sldMkLst>
-          <pc:docMk/>
-          <pc:sldMk cId="1957123177" sldId="767"/>
-        </pc:sldMkLst>
-        <pc:spChg chg="mod">
-          <ac:chgData name="Lwin Moe" userId="aa63d423-27f4-4437-9471-19c5c3fbd463" providerId="ADAL" clId="{AE3B1190-21FE-4135-AD65-81008166E137}" dt="2024-10-28T23:41:10.203" v="474"/>
-          <ac:spMkLst>
-            <pc:docMk/>
-            <pc:sldMk cId="1957123177" sldId="767"/>
-            <ac:spMk id="2" creationId="{9197A592-0A30-61D2-9198-3BBC86CB6250}"/>
-          </ac:spMkLst>
-        </pc:spChg>
-        <pc:spChg chg="del">
-          <ac:chgData name="Lwin Moe" userId="aa63d423-27f4-4437-9471-19c5c3fbd463" providerId="ADAL" clId="{AE3B1190-21FE-4135-AD65-81008166E137}" dt="2024-10-28T23:40:22.031" v="454" actId="931"/>
-          <ac:spMkLst>
-            <pc:docMk/>
-            <pc:sldMk cId="1957123177" sldId="767"/>
-            <ac:spMk id="3" creationId="{A5D0FEB5-4EA1-5AA2-8FF1-342A23C28497}"/>
-          </ac:spMkLst>
-        </pc:spChg>
-        <pc:picChg chg="add mod">
-          <ac:chgData name="Lwin Moe" userId="aa63d423-27f4-4437-9471-19c5c3fbd463" providerId="ADAL" clId="{AE3B1190-21FE-4135-AD65-81008166E137}" dt="2024-10-28T23:40:22.547" v="456" actId="962"/>
-          <ac:picMkLst>
-            <pc:docMk/>
-            <pc:sldMk cId="1957123177" sldId="767"/>
-            <ac:picMk id="6" creationId="{CBBAD495-7219-A085-01FE-8388D2AA98D3}"/>
-          </ac:picMkLst>
-        </pc:picChg>
-      </pc:sldChg>
-      <pc:sldChg chg="addSp delSp modSp new mod">
-        <pc:chgData name="Lwin Moe" userId="aa63d423-27f4-4437-9471-19c5c3fbd463" providerId="ADAL" clId="{AE3B1190-21FE-4135-AD65-81008166E137}" dt="2024-10-28T23:41:12.766" v="475"/>
-        <pc:sldMkLst>
-          <pc:docMk/>
-          <pc:sldMk cId="1481339115" sldId="768"/>
-        </pc:sldMkLst>
-        <pc:spChg chg="mod">
-          <ac:chgData name="Lwin Moe" userId="aa63d423-27f4-4437-9471-19c5c3fbd463" providerId="ADAL" clId="{AE3B1190-21FE-4135-AD65-81008166E137}" dt="2024-10-28T23:41:12.766" v="475"/>
-          <ac:spMkLst>
-            <pc:docMk/>
-            <pc:sldMk cId="1481339115" sldId="768"/>
-            <ac:spMk id="2" creationId="{E9151993-BC68-AE06-2A42-09CB800ECD07}"/>
-          </ac:spMkLst>
-        </pc:spChg>
-        <pc:spChg chg="del">
-          <ac:chgData name="Lwin Moe" userId="aa63d423-27f4-4437-9471-19c5c3fbd463" providerId="ADAL" clId="{AE3B1190-21FE-4135-AD65-81008166E137}" dt="2024-10-28T23:40:27.781" v="458" actId="931"/>
-          <ac:spMkLst>
-            <pc:docMk/>
-            <pc:sldMk cId="1481339115" sldId="768"/>
-            <ac:spMk id="3" creationId="{76E02BD4-2642-9E7A-93B0-A6CFE16C8004}"/>
-          </ac:spMkLst>
-        </pc:spChg>
-        <pc:picChg chg="add mod">
-          <ac:chgData name="Lwin Moe" userId="aa63d423-27f4-4437-9471-19c5c3fbd463" providerId="ADAL" clId="{AE3B1190-21FE-4135-AD65-81008166E137}" dt="2024-10-28T23:40:28.375" v="460" actId="962"/>
-          <ac:picMkLst>
-            <pc:docMk/>
-            <pc:sldMk cId="1481339115" sldId="768"/>
-            <ac:picMk id="6" creationId="{2C372A68-8F63-6AE0-2746-5C9E94D46E26}"/>
-          </ac:picMkLst>
-        </pc:picChg>
-      </pc:sldChg>
-      <pc:sldChg chg="addSp delSp modSp new mod">
-        <pc:chgData name="Lwin Moe" userId="aa63d423-27f4-4437-9471-19c5c3fbd463" providerId="ADAL" clId="{AE3B1190-21FE-4135-AD65-81008166E137}" dt="2024-10-28T23:41:00.140" v="472" actId="20577"/>
-        <pc:sldMkLst>
-          <pc:docMk/>
-          <pc:sldMk cId="4187539410" sldId="769"/>
-        </pc:sldMkLst>
-        <pc:spChg chg="mod">
-          <ac:chgData name="Lwin Moe" userId="aa63d423-27f4-4437-9471-19c5c3fbd463" providerId="ADAL" clId="{AE3B1190-21FE-4135-AD65-81008166E137}" dt="2024-10-28T23:41:00.140" v="472" actId="20577"/>
-          <ac:spMkLst>
-            <pc:docMk/>
-            <pc:sldMk cId="4187539410" sldId="769"/>
-            <ac:spMk id="2" creationId="{769AFB2E-8CCB-7C59-4692-EA30E01007C0}"/>
-          </ac:spMkLst>
-        </pc:spChg>
-        <pc:spChg chg="del">
-          <ac:chgData name="Lwin Moe" userId="aa63d423-27f4-4437-9471-19c5c3fbd463" providerId="ADAL" clId="{AE3B1190-21FE-4135-AD65-81008166E137}" dt="2024-10-28T23:40:32.890" v="462" actId="931"/>
-          <ac:spMkLst>
-            <pc:docMk/>
-            <pc:sldMk cId="4187539410" sldId="769"/>
-            <ac:spMk id="3" creationId="{D8E6537D-4281-D1F1-5DFF-6A0098FE2D42}"/>
-          </ac:spMkLst>
-        </pc:spChg>
-        <pc:picChg chg="add mod">
-          <ac:chgData name="Lwin Moe" userId="aa63d423-27f4-4437-9471-19c5c3fbd463" providerId="ADAL" clId="{AE3B1190-21FE-4135-AD65-81008166E137}" dt="2024-10-28T23:40:33.406" v="464" actId="962"/>
-          <ac:picMkLst>
-            <pc:docMk/>
-            <pc:sldMk cId="4187539410" sldId="769"/>
-            <ac:picMk id="6" creationId="{BBB9127A-C474-B3A4-FFB1-E9507D8A3A38}"/>
-          </ac:picMkLst>
-        </pc:picChg>
-      </pc:sldChg>
-    </pc:docChg>
-  </pc:docChgLst>
-</pc:chgInfo>
-</file>
-
 <file path=ppt/notesMasters/notesMaster1.xml><?xml version="1.0" encoding="utf-8"?>
 <p:notesMaster xmlns:a="http://schemas.openxmlformats.org/drawingml/2006/main" xmlns:r="http://schemas.openxmlformats.org/officeDocument/2006/relationships" xmlns:p="http://schemas.openxmlformats.org/presentationml/2006/main">
   <p:cSld>
@@ -1071,7 +231,7 @@
           <a:p>
             <a:fld id="{6F17507C-A503-4796-B9DF-7CCEEDB8D626}" type="datetimeFigureOut">
               <a:rPr lang="en-US" smtClean="0"/>
-              <a:t>10/28/2024</a:t>
+              <a:t>10/29/2024</a:t>
             </a:fld>
             <a:endParaRPr lang="en-US"/>
           </a:p>
@@ -1468,6 +628,99 @@
           <a:p>
             <a:r>
               <a:rPr lang="en-US" dirty="0"/>
+              <a:t>Non-linear decision boundary</a:t>
+            </a:r>
+          </a:p>
+          <a:p>
+            <a:r>
+              <a:rPr lang="en-US" dirty="0"/>
+              <a:t>Kernel trick</a:t>
+            </a:r>
+          </a:p>
+        </p:txBody>
+      </p:sp>
+      <p:sp>
+        <p:nvSpPr>
+          <p:cNvPr id="4" name="Slide Number Placeholder 3"/>
+          <p:cNvSpPr>
+            <a:spLocks noGrp="1"/>
+          </p:cNvSpPr>
+          <p:nvPr>
+            <p:ph type="sldNum" sz="quarter" idx="5"/>
+          </p:nvPr>
+        </p:nvSpPr>
+        <p:spPr/>
+        <p:txBody>
+          <a:bodyPr/>
+          <a:lstStyle/>
+          <a:p>
+            <a:fld id="{554CA12E-21A7-492A-A634-7528F5361327}" type="slidenum">
+              <a:rPr lang="en-US" smtClean="0"/>
+              <a:t>22</a:t>
+            </a:fld>
+            <a:endParaRPr lang="en-US"/>
+          </a:p>
+        </p:txBody>
+      </p:sp>
+    </p:spTree>
+    <p:extLst>
+      <p:ext uri="{BB962C8B-B14F-4D97-AF65-F5344CB8AC3E}">
+        <p14:creationId xmlns:p14="http://schemas.microsoft.com/office/powerpoint/2010/main" val="13358804"/>
+      </p:ext>
+    </p:extLst>
+  </p:cSld>
+  <p:clrMapOvr>
+    <a:masterClrMapping/>
+  </p:clrMapOvr>
+</p:notes>
+</file>
+
+<file path=ppt/notesSlides/notesSlide3.xml><?xml version="1.0" encoding="utf-8"?>
+<p:notes xmlns:a="http://schemas.openxmlformats.org/drawingml/2006/main" xmlns:r="http://schemas.openxmlformats.org/officeDocument/2006/relationships" xmlns:p="http://schemas.openxmlformats.org/presentationml/2006/main">
+  <p:cSld>
+    <p:spTree>
+      <p:nvGrpSpPr>
+        <p:cNvPr id="1" name=""/>
+        <p:cNvGrpSpPr/>
+        <p:nvPr/>
+      </p:nvGrpSpPr>
+      <p:grpSpPr>
+        <a:xfrm>
+          <a:off x="0" y="0"/>
+          <a:ext cx="0" cy="0"/>
+          <a:chOff x="0" y="0"/>
+          <a:chExt cx="0" cy="0"/>
+        </a:xfrm>
+      </p:grpSpPr>
+      <p:sp>
+        <p:nvSpPr>
+          <p:cNvPr id="2" name="Slide Image Placeholder 1"/>
+          <p:cNvSpPr>
+            <a:spLocks noGrp="1" noRot="1" noChangeAspect="1"/>
+          </p:cNvSpPr>
+          <p:nvPr>
+            <p:ph type="sldImg"/>
+          </p:nvPr>
+        </p:nvSpPr>
+        <p:spPr/>
+      </p:sp>
+      <p:sp>
+        <p:nvSpPr>
+          <p:cNvPr id="3" name="Notes Placeholder 2"/>
+          <p:cNvSpPr>
+            <a:spLocks noGrp="1"/>
+          </p:cNvSpPr>
+          <p:nvPr>
+            <p:ph type="body" idx="1"/>
+          </p:nvPr>
+        </p:nvSpPr>
+        <p:spPr/>
+        <p:txBody>
+          <a:bodyPr/>
+          <a:lstStyle/>
+          <a:p>
+            <a:r>
+              <a:rPr lang="en-US" dirty="0"/>
               <a:t>What is n &lt; p?</a:t>
             </a:r>
           </a:p>
@@ -1656,7 +909,7 @@
           <a:p>
             <a:fld id="{104D77CD-7919-4E84-B9AF-BFDC6E70C15A}" type="datetime1">
               <a:rPr lang="en-US" smtClean="0"/>
-              <a:t>10/28/2024</a:t>
+              <a:t>10/29/2024</a:t>
             </a:fld>
             <a:endParaRPr lang="en-US"/>
           </a:p>
@@ -1854,7 +1107,7 @@
           <a:p>
             <a:fld id="{E2A1E911-EC95-4CF1-837F-38C02DBD7D5A}" type="datetime1">
               <a:rPr lang="en-US" smtClean="0"/>
-              <a:t>10/28/2024</a:t>
+              <a:t>10/29/2024</a:t>
             </a:fld>
             <a:endParaRPr lang="en-US"/>
           </a:p>
@@ -2062,7 +1315,7 @@
           <a:p>
             <a:fld id="{D168C677-27FD-411C-85E0-7127D52E38FA}" type="datetime1">
               <a:rPr lang="en-US" smtClean="0"/>
-              <a:t>10/28/2024</a:t>
+              <a:t>10/29/2024</a:t>
             </a:fld>
             <a:endParaRPr lang="en-US"/>
           </a:p>
@@ -2260,7 +1513,7 @@
           <a:p>
             <a:fld id="{27D0272F-7470-4F64-83C5-474F67F49E04}" type="datetime1">
               <a:rPr lang="en-US" smtClean="0"/>
-              <a:t>10/28/2024</a:t>
+              <a:t>10/29/2024</a:t>
             </a:fld>
             <a:endParaRPr lang="en-US"/>
           </a:p>
@@ -2535,7 +1788,7 @@
           <a:p>
             <a:fld id="{15CF9CF8-0CAC-4BE8-A7A2-5F5B7A72168F}" type="datetime1">
               <a:rPr lang="en-US" smtClean="0"/>
-              <a:t>10/28/2024</a:t>
+              <a:t>10/29/2024</a:t>
             </a:fld>
             <a:endParaRPr lang="en-US"/>
           </a:p>
@@ -2800,7 +2053,7 @@
           <a:p>
             <a:fld id="{84A6507D-6F21-4216-908F-148BB4D8DA45}" type="datetime1">
               <a:rPr lang="en-US" smtClean="0"/>
-              <a:t>10/28/2024</a:t>
+              <a:t>10/29/2024</a:t>
             </a:fld>
             <a:endParaRPr lang="en-US"/>
           </a:p>
@@ -3212,7 +2465,7 @@
           <a:p>
             <a:fld id="{F3CE21F9-7827-4D2F-BBEA-B5E01C088137}" type="datetime1">
               <a:rPr lang="en-US" smtClean="0"/>
-              <a:t>10/28/2024</a:t>
+              <a:t>10/29/2024</a:t>
             </a:fld>
             <a:endParaRPr lang="en-US"/>
           </a:p>
@@ -3353,7 +2606,7 @@
           <a:p>
             <a:fld id="{89FDAAA9-D41F-4CB5-9251-3C9A56DD34F4}" type="datetime1">
               <a:rPr lang="en-US" smtClean="0"/>
-              <a:t>10/28/2024</a:t>
+              <a:t>10/29/2024</a:t>
             </a:fld>
             <a:endParaRPr lang="en-US"/>
           </a:p>
@@ -3466,7 +2719,7 @@
           <a:p>
             <a:fld id="{1BBCB6C2-C925-4E13-B265-971C25C96FD4}" type="datetime1">
               <a:rPr lang="en-US" smtClean="0"/>
-              <a:t>10/28/2024</a:t>
+              <a:t>10/29/2024</a:t>
             </a:fld>
             <a:endParaRPr lang="en-US"/>
           </a:p>
@@ -3777,7 +3030,7 @@
           <a:p>
             <a:fld id="{B8DFDEF3-E787-4928-8E2A-4D818ED87F0E}" type="datetime1">
               <a:rPr lang="en-US" smtClean="0"/>
-              <a:t>10/28/2024</a:t>
+              <a:t>10/29/2024</a:t>
             </a:fld>
             <a:endParaRPr lang="en-US"/>
           </a:p>
@@ -4065,7 +3318,7 @@
           <a:p>
             <a:fld id="{C1AF5581-BE26-4289-8CB6-7C61F3B07B0F}" type="datetime1">
               <a:rPr lang="en-US" smtClean="0"/>
-              <a:t>10/28/2024</a:t>
+              <a:t>10/29/2024</a:t>
             </a:fld>
             <a:endParaRPr lang="en-US"/>
           </a:p>
@@ -4306,7 +3559,7 @@
           <a:p>
             <a:fld id="{6B85D76E-3887-4F61-A1A0-17880ECE475A}" type="datetime1">
               <a:rPr lang="en-US" smtClean="0"/>
-              <a:t>10/28/2024</a:t>
+              <a:t>10/29/2024</a:t>
             </a:fld>
             <a:endParaRPr lang="en-US"/>
           </a:p>
@@ -4886,8 +4139,8 @@
           </a:p>
         </p:txBody>
       </p:sp>
-      <mc:AlternateContent xmlns:mc="http://schemas.openxmlformats.org/markup-compatibility/2006">
-        <mc:Choice xmlns:a14="http://schemas.microsoft.com/office/drawing/2010/main" Requires="a14">
+      <mc:AlternateContent xmlns:mc="http://schemas.openxmlformats.org/markup-compatibility/2006" xmlns:a14="http://schemas.microsoft.com/office/drawing/2010/main">
+        <mc:Choice Requires="a14">
           <p:sp>
             <p:nvSpPr>
               <p:cNvPr id="3" name="Content Placeholder 2">
@@ -5294,7 +4547,7 @@
             </p:txBody>
           </p:sp>
         </mc:Choice>
-        <mc:Fallback>
+        <mc:Fallback xmlns="">
           <p:sp>
             <p:nvSpPr>
               <p:cNvPr id="3" name="Content Placeholder 2">
@@ -5421,8 +4674,8 @@
           </a:p>
         </p:txBody>
       </p:sp>
-      <mc:AlternateContent xmlns:mc="http://schemas.openxmlformats.org/markup-compatibility/2006">
-        <mc:Choice xmlns:a14="http://schemas.microsoft.com/office/drawing/2010/main" Requires="a14">
+      <mc:AlternateContent xmlns:mc="http://schemas.openxmlformats.org/markup-compatibility/2006" xmlns:a14="http://schemas.microsoft.com/office/drawing/2010/main">
+        <mc:Choice Requires="a14">
           <p:sp>
             <p:nvSpPr>
               <p:cNvPr id="3" name="Content Placeholder 2">
@@ -5885,7 +5138,7 @@
             </p:txBody>
           </p:sp>
         </mc:Choice>
-        <mc:Fallback>
+        <mc:Fallback xmlns="">
           <p:sp>
             <p:nvSpPr>
               <p:cNvPr id="3" name="Content Placeholder 2">
@@ -6683,8 +5936,12 @@
               <a:lstStyle/>
               <a:p>
                 <a:r>
+                  <a:rPr lang="en-US" b="1" dirty="0"/>
+                  <a:t>Slack variables </a:t>
+                </a:r>
+                <a:r>
                   <a:rPr lang="en-US" dirty="0"/>
-                  <a:t>Slack variables are terms in a constraint that vary from one instance to another, allowing some flexibility in the constraint. In support vector classification, the slack variables, </a:t>
+                  <a:t>are terms in a constraint that vary from one instance to another, allowing some flexibility in the constraint. In support vector classification, the slack variables, </a:t>
                 </a:r>
                 <a14:m>
                   <m:oMath xmlns:m="http://schemas.openxmlformats.org/officeDocument/2006/math">
@@ -6703,7 +5960,7 @@
                             <a:latin typeface="Cambria Math" panose="02040503050406030204" pitchFamily="18" charset="0"/>
                             <a:ea typeface="Cambria Math" panose="02040503050406030204" pitchFamily="18" charset="0"/>
                           </a:rPr>
-                          <m:t>𝜀</m:t>
+                          <m:t>𝜉</m:t>
                         </m:r>
                       </m:e>
                       <m:sub>
@@ -6767,7 +6024,7 @@
                             <a:latin typeface="Cambria Math" panose="02040503050406030204" pitchFamily="18" charset="0"/>
                             <a:ea typeface="Cambria Math" panose="02040503050406030204" pitchFamily="18" charset="0"/>
                           </a:rPr>
-                          <m:t>𝜀</m:t>
+                          <m:t>𝜉</m:t>
                         </m:r>
                       </m:e>
                       <m:sub>
